--- a/Figures/Figures_markdown/Figure_neutron_source.pptx
+++ b/Figures/Figures_markdown/Figure_neutron_source.pptx
@@ -3335,145 +3335,75 @@
         </p:nvGrpSpPr>
         <p:grpSpPr>
           <a:xfrm>
-            <a:off x="35262" y="49075"/>
+            <a:off x="326809" y="49075"/>
             <a:ext cx="6961886" cy="6596317"/>
             <a:chOff x="35262" y="49075"/>
             <a:chExt cx="6961886" cy="6596317"/>
           </a:xfrm>
         </p:grpSpPr>
-        <mc:AlternateContent xmlns:mc="http://schemas.openxmlformats.org/markup-compatibility/2006">
-          <mc:Choice xmlns:a14="http://schemas.microsoft.com/office/drawing/2010/main" Requires="a14">
-            <p:sp>
-              <p:nvSpPr>
-                <p:cNvPr id="28" name="Rechthoek 27">
-                  <a:extLst>
-                    <a:ext uri="{FF2B5EF4-FFF2-40B4-BE49-F238E27FC236}">
-                      <a16:creationId xmlns:a16="http://schemas.microsoft.com/office/drawing/2014/main" id="{15E9C248-9257-BBFA-A54A-6E998195A02B}"/>
-                    </a:ext>
-                  </a:extLst>
-                </p:cNvPr>
-                <p:cNvSpPr/>
-                <p:nvPr/>
-              </p:nvSpPr>
-              <p:spPr>
-                <a:xfrm>
-                  <a:off x="35262" y="49075"/>
-                  <a:ext cx="6961886" cy="6596317"/>
-                </a:xfrm>
-                <a:prstGeom prst="rect">
-                  <a:avLst/>
-                </a:prstGeom>
-                <a:pattFill prst="smCheck">
-                  <a:fgClr>
-                    <a:schemeClr val="bg1">
-                      <a:lumMod val="95000"/>
-                    </a:schemeClr>
-                  </a:fgClr>
-                  <a:bgClr>
-                    <a:schemeClr val="bg1"/>
-                  </a:bgClr>
-                </a:pattFill>
-                <a:ln>
-                  <a:solidFill>
-                    <a:schemeClr val="accent1">
-                      <a:shade val="15000"/>
-                    </a:schemeClr>
-                  </a:solidFill>
-                </a:ln>
-              </p:spPr>
-              <p:style>
-                <a:lnRef idx="2">
-                  <a:schemeClr val="accent1">
-                    <a:shade val="50000"/>
-                  </a:schemeClr>
-                </a:lnRef>
-                <a:fillRef idx="1">
-                  <a:schemeClr val="accent1"/>
-                </a:fillRef>
-                <a:effectRef idx="0">
-                  <a:schemeClr val="accent1"/>
-                </a:effectRef>
-                <a:fontRef idx="minor">
-                  <a:schemeClr val="lt1"/>
-                </a:fontRef>
-              </p:style>
-              <p:txBody>
-                <a:bodyPr rtlCol="0" anchor="ctr"/>
-                <a:lstStyle/>
-                <a:p>
-                  <a:pPr algn="ctr"/>
-                  <a14:m>
-                    <m:oMathPara xmlns:m="http://schemas.openxmlformats.org/officeDocument/2006/math">
-                      <m:oMathParaPr>
-                        <m:jc m:val="centerGroup"/>
-                      </m:oMathParaPr>
-                      <m:oMath xmlns:m="http://schemas.openxmlformats.org/officeDocument/2006/math">
-                        <a:fld id="{825F15A7-03F4-43D7-82C5-3E23DA2F108C}" type="mathplaceholder">
-                          <a:rPr lang="nl-NL" i="1" smtClean="0">
-                            <a:latin typeface="Cambria Math" panose="02040503050406030204" pitchFamily="18" charset="0"/>
-                          </a:rPr>
-                          <a:t>Typ hier uw vergelijking.</a:t>
-                        </a:fld>
-                      </m:oMath>
-                    </m:oMathPara>
-                  </a14:m>
-                  <a:endParaRPr lang="nl-NL" dirty="0"/>
-                </a:p>
-              </p:txBody>
-            </p:sp>
-          </mc:Choice>
-          <mc:Fallback>
-            <p:sp>
-              <p:nvSpPr>
-                <p:cNvPr id="28" name="Rechthoek 27">
-                  <a:extLst>
-                    <a:ext uri="{FF2B5EF4-FFF2-40B4-BE49-F238E27FC236}">
-                      <a16:creationId xmlns:a16="http://schemas.microsoft.com/office/drawing/2014/main" id="{15E9C248-9257-BBFA-A54A-6E998195A02B}"/>
-                    </a:ext>
-                  </a:extLst>
-                </p:cNvPr>
-                <p:cNvSpPr>
-                  <a:spLocks noRot="1" noChangeAspect="1" noMove="1" noResize="1" noEditPoints="1" noAdjustHandles="1" noChangeArrowheads="1" noChangeShapeType="1" noTextEdit="1"/>
-                </p:cNvSpPr>
-                <p:nvPr/>
-              </p:nvSpPr>
-              <p:spPr>
-                <a:xfrm>
-                  <a:off x="35262" y="49075"/>
-                  <a:ext cx="6961886" cy="6596317"/>
-                </a:xfrm>
-                <a:prstGeom prst="rect">
-                  <a:avLst/>
-                </a:prstGeom>
-                <a:blipFill>
-                  <a:blip r:embed="rId2"/>
-                  <a:stretch>
-                    <a:fillRect/>
-                  </a:stretch>
-                </a:blipFill>
-                <a:ln>
-                  <a:solidFill>
-                    <a:schemeClr val="accent1">
-                      <a:shade val="15000"/>
-                    </a:schemeClr>
-                  </a:solidFill>
-                </a:ln>
-              </p:spPr>
-              <p:txBody>
-                <a:bodyPr/>
-                <a:lstStyle/>
-                <a:p>
-                  <a:r>
-                    <a:rPr lang="nl-NL">
-                      <a:noFill/>
-                    </a:rPr>
-                    <a:t> </a:t>
-                  </a:r>
-                </a:p>
-              </p:txBody>
-            </p:sp>
-          </mc:Fallback>
-        </mc:AlternateContent>
+        <p:sp>
+          <p:nvSpPr>
+            <p:cNvPr id="28" name="Rechthoek 27">
+              <a:extLst>
+                <a:ext uri="{FF2B5EF4-FFF2-40B4-BE49-F238E27FC236}">
+                  <a16:creationId xmlns:a16="http://schemas.microsoft.com/office/drawing/2014/main" id="{15E9C248-9257-BBFA-A54A-6E998195A02B}"/>
+                </a:ext>
+              </a:extLst>
+            </p:cNvPr>
+            <p:cNvSpPr/>
+            <p:nvPr/>
+          </p:nvSpPr>
+          <p:spPr>
+            <a:xfrm>
+              <a:off x="35262" y="49075"/>
+              <a:ext cx="6961886" cy="6596317"/>
+            </a:xfrm>
+            <a:prstGeom prst="rect">
+              <a:avLst/>
+            </a:prstGeom>
+            <a:pattFill prst="smCheck">
+              <a:fgClr>
+                <a:schemeClr val="bg1">
+                  <a:lumMod val="95000"/>
+                </a:schemeClr>
+              </a:fgClr>
+              <a:bgClr>
+                <a:schemeClr val="bg1"/>
+              </a:bgClr>
+            </a:pattFill>
+            <a:ln>
+              <a:solidFill>
+                <a:schemeClr val="accent1">
+                  <a:shade val="15000"/>
+                </a:schemeClr>
+              </a:solidFill>
+            </a:ln>
+          </p:spPr>
+          <p:style>
+            <a:lnRef idx="2">
+              <a:schemeClr val="accent1">
+                <a:shade val="50000"/>
+              </a:schemeClr>
+            </a:lnRef>
+            <a:fillRef idx="1">
+              <a:schemeClr val="accent1"/>
+            </a:fillRef>
+            <a:effectRef idx="0">
+              <a:schemeClr val="accent1"/>
+            </a:effectRef>
+            <a:fontRef idx="minor">
+              <a:schemeClr val="lt1"/>
+            </a:fontRef>
+          </p:style>
+          <p:txBody>
+            <a:bodyPr rtlCol="0" anchor="ctr"/>
+            <a:lstStyle/>
+            <a:p>
+              <a:pPr algn="ctr"/>
+              <a:endParaRPr lang="nl-NL" dirty="0"/>
+            </a:p>
+          </p:txBody>
+        </p:sp>
         <p:sp>
           <p:nvSpPr>
             <p:cNvPr id="4" name="Rechthoek 3">
@@ -3831,7 +3761,7 @@
                   <a:avLst/>
                 </a:prstGeom>
                 <a:blipFill>
-                  <a:blip r:embed="rId3"/>
+                  <a:blip r:embed="rId2"/>
                   <a:stretch>
                     <a:fillRect l="-1786" t="-8571" r="-1786" b="-37143"/>
                   </a:stretch>
@@ -3945,7 +3875,7 @@
                   <a:avLst/>
                 </a:prstGeom>
                 <a:blipFill>
-                  <a:blip r:embed="rId4"/>
+                  <a:blip r:embed="rId3"/>
                   <a:stretch>
                     <a:fillRect l="-4808" t="-6667" r="-4808" b="-40000"/>
                   </a:stretch>
@@ -4113,9 +4043,9 @@
                   <a:avLst/>
                 </a:prstGeom>
                 <a:blipFill>
-                  <a:blip r:embed="rId5"/>
+                  <a:blip r:embed="rId4"/>
                   <a:stretch>
-                    <a:fillRect l="-5455" t="-6667" r="-3636" b="-36667"/>
+                    <a:fillRect l="-5455" t="-6667" r="-4545" b="-36667"/>
                   </a:stretch>
                 </a:blipFill>
               </p:spPr>
@@ -4831,7 +4761,7 @@
                   <a:avLst/>
                 </a:prstGeom>
                 <a:blipFill>
-                  <a:blip r:embed="rId6"/>
+                  <a:blip r:embed="rId5"/>
                   <a:stretch>
                     <a:fillRect l="-3205" t="-6667" r="-2564" b="-36667"/>
                   </a:stretch>
@@ -4939,7 +4869,7 @@
                   <a:avLst/>
                 </a:prstGeom>
                 <a:blipFill>
-                  <a:blip r:embed="rId7"/>
+                  <a:blip r:embed="rId6"/>
                   <a:stretch>
                     <a:fillRect l="-4061" t="-6667" r="-2030" b="-36667"/>
                   </a:stretch>
@@ -6166,9 +6096,9 @@
                   <a:avLst/>
                 </a:prstGeom>
                 <a:blipFill>
-                  <a:blip r:embed="rId8"/>
+                  <a:blip r:embed="rId7"/>
                   <a:stretch>
-                    <a:fillRect l="-4082" t="-8696" r="-2041" b="-39130"/>
+                    <a:fillRect l="-4082" t="-8696" r="-1020" b="-39130"/>
                   </a:stretch>
                 </a:blipFill>
               </p:spPr>
@@ -6292,9 +6222,9 @@
                   <a:avLst/>
                 </a:prstGeom>
                 <a:blipFill>
-                  <a:blip r:embed="rId9"/>
+                  <a:blip r:embed="rId8"/>
                   <a:stretch>
-                    <a:fillRect l="-4124" t="-9091" r="-2062" b="-40909"/>
+                    <a:fillRect l="-3061" t="-9091" r="-2041" b="-40909"/>
                   </a:stretch>
                 </a:blipFill>
               </p:spPr>
@@ -6399,7 +6329,7 @@
                   <a:avLst/>
                 </a:prstGeom>
                 <a:blipFill>
-                  <a:blip r:embed="rId10"/>
+                  <a:blip r:embed="rId9"/>
                   <a:stretch>
                     <a:fillRect l="-3488" t="-4348" r="-1163" b="-39130"/>
                   </a:stretch>
@@ -6686,9 +6616,9 @@
                   <a:avLst/>
                 </a:prstGeom>
                 <a:blipFill>
-                  <a:blip r:embed="rId11"/>
+                  <a:blip r:embed="rId10"/>
                   <a:stretch>
-                    <a:fillRect l="-2326" t="-9091" r="-2326" b="-40909"/>
+                    <a:fillRect l="-3488" t="-9091" r="-2326" b="-40909"/>
                   </a:stretch>
                 </a:blipFill>
               </p:spPr>
